--- a/Biometrics-Authenticated Key Exchange for Secure Messaging.pptx
+++ b/Biometrics-Authenticated Key Exchange for Secure Messaging.pptx
@@ -5,10 +5,10 @@
     <p:sldMasterId id="2147483705" r:id="rId1"/>
   </p:sldMasterIdLst>
   <p:notesMasterIdLst>
-    <p:notesMasterId r:id="rId14"/>
+    <p:notesMasterId r:id="rId20"/>
   </p:notesMasterIdLst>
   <p:handoutMasterIdLst>
-    <p:handoutMasterId r:id="rId15"/>
+    <p:handoutMasterId r:id="rId21"/>
   </p:handoutMasterIdLst>
   <p:sldIdLst>
     <p:sldId id="259" r:id="rId2"/>
@@ -23,6 +23,12 @@
     <p:sldId id="267" r:id="rId11"/>
     <p:sldId id="268" r:id="rId12"/>
     <p:sldId id="269" r:id="rId13"/>
+    <p:sldId id="270" r:id="rId14"/>
+    <p:sldId id="271" r:id="rId15"/>
+    <p:sldId id="272" r:id="rId16"/>
+    <p:sldId id="273" r:id="rId17"/>
+    <p:sldId id="274" r:id="rId18"/>
+    <p:sldId id="275" r:id="rId19"/>
   </p:sldIdLst>
   <p:sldSz cx="12192000" cy="6858000"/>
   <p:notesSz cx="6858000" cy="9144000"/>
@@ -14218,7 +14224,7 @@
             </a:r>
             <a:r>
               <a:rPr lang="zh-CN" altLang="en-US" dirty="0"/>
-              <a:t>在**</a:t>
+              <a:t>在</a:t>
             </a:r>
             <a:r>
               <a:rPr lang="en-US" altLang="zh-CN" dirty="0"/>
@@ -14279,6 +14285,1477 @@
     <p:extLst>
       <p:ext uri="{BB962C8B-B14F-4D97-AF65-F5344CB8AC3E}">
         <p14:creationId xmlns:p14="http://schemas.microsoft.com/office/powerpoint/2010/main" val="2637146106"/>
+      </p:ext>
+    </p:extLst>
+  </p:cSld>
+  <p:clrMapOvr>
+    <a:masterClrMapping/>
+  </p:clrMapOvr>
+</p:sld>
+</file>
+
+<file path=ppt/slides/slide13.xml><?xml version="1.0" encoding="utf-8"?>
+<p:sld xmlns:a="http://schemas.openxmlformats.org/drawingml/2006/main" xmlns:r="http://schemas.openxmlformats.org/officeDocument/2006/relationships" xmlns:p="http://schemas.openxmlformats.org/presentationml/2006/main">
+  <p:cSld>
+    <p:bg>
+      <p:bgPr>
+        <a:blipFill rotWithShape="1">
+          <a:blip r:embed="rId2">
+            <a:duotone>
+              <a:schemeClr val="bg1">
+                <a:shade val="80000"/>
+                <a:lumMod val="80000"/>
+              </a:schemeClr>
+              <a:schemeClr val="bg1">
+                <a:tint val="98000"/>
+              </a:schemeClr>
+            </a:duotone>
+          </a:blip>
+          <a:stretch/>
+        </a:blipFill>
+        <a:effectLst/>
+      </p:bgPr>
+    </p:bg>
+    <p:spTree>
+      <p:nvGrpSpPr>
+        <p:cNvPr id="1" name=""/>
+        <p:cNvGrpSpPr/>
+        <p:nvPr/>
+      </p:nvGrpSpPr>
+      <p:grpSpPr>
+        <a:xfrm>
+          <a:off x="0" y="0"/>
+          <a:ext cx="0" cy="0"/>
+          <a:chOff x="0" y="0"/>
+          <a:chExt cx="0" cy="0"/>
+        </a:xfrm>
+      </p:grpSpPr>
+      <p:sp>
+        <p:nvSpPr>
+          <p:cNvPr id="2" name="标题 1">
+            <a:extLst>
+              <a:ext uri="{FF2B5EF4-FFF2-40B4-BE49-F238E27FC236}">
+                <a16:creationId xmlns:a16="http://schemas.microsoft.com/office/drawing/2014/main" id="{9D6A748D-BEEC-43A4-BFF3-B31C0275A5D9}"/>
+              </a:ext>
+            </a:extLst>
+          </p:cNvPr>
+          <p:cNvSpPr>
+            <a:spLocks noGrp="1"/>
+          </p:cNvSpPr>
+          <p:nvPr>
+            <p:ph type="title"/>
+          </p:nvPr>
+        </p:nvSpPr>
+        <p:spPr>
+          <a:xfrm>
+            <a:off x="913795" y="609600"/>
+            <a:ext cx="10353762" cy="1257300"/>
+          </a:xfrm>
+        </p:spPr>
+        <p:txBody>
+          <a:bodyPr rtlCol="0">
+            <a:normAutofit/>
+          </a:bodyPr>
+          <a:lstStyle/>
+          <a:p>
+            <a:pPr rtl="0"/>
+            <a:r>
+              <a:rPr lang="en-US" altLang="zh-CN" dirty="0"/>
+              <a:t>AFEM</a:t>
+            </a:r>
+            <a:endParaRPr lang="zh-cn" dirty="0"/>
+          </a:p>
+        </p:txBody>
+      </p:sp>
+      <p:sp>
+        <p:nvSpPr>
+          <p:cNvPr id="5" name="内容占位符 4">
+            <a:extLst>
+              <a:ext uri="{FF2B5EF4-FFF2-40B4-BE49-F238E27FC236}">
+                <a16:creationId xmlns:a16="http://schemas.microsoft.com/office/drawing/2014/main" id="{4BB99F56-947D-5FBE-0208-5D6622987804}"/>
+              </a:ext>
+            </a:extLst>
+          </p:cNvPr>
+          <p:cNvSpPr>
+            <a:spLocks noGrp="1"/>
+          </p:cNvSpPr>
+          <p:nvPr>
+            <p:ph idx="1"/>
+          </p:nvPr>
+        </p:nvSpPr>
+        <p:spPr>
+          <a:xfrm>
+            <a:off x="6095999" y="1866900"/>
+            <a:ext cx="5171557" cy="4153890"/>
+          </a:xfrm>
+        </p:spPr>
+        <p:txBody>
+          <a:bodyPr>
+            <a:normAutofit/>
+          </a:bodyPr>
+          <a:lstStyle/>
+          <a:p>
+            <a:r>
+              <a:rPr lang="zh-CN" altLang="en-US" dirty="0"/>
+              <a:t>非对称模糊封装机制</a:t>
+            </a:r>
+            <a:r>
+              <a:rPr lang="en-US" altLang="zh-CN" dirty="0"/>
+              <a:t>AFEM</a:t>
+            </a:r>
+            <a:r>
+              <a:rPr lang="zh-CN" altLang="en-US" dirty="0"/>
+              <a:t>是由四个概率多项式时间</a:t>
+            </a:r>
+            <a:r>
+              <a:rPr lang="en-US" altLang="zh-CN" dirty="0"/>
+              <a:t>(PPT)</a:t>
+            </a:r>
+            <a:r>
+              <a:rPr lang="zh-CN" altLang="en-US" dirty="0"/>
+              <a:t>算法</a:t>
+            </a:r>
+            <a:r>
+              <a:rPr lang="en-US" altLang="zh-CN" dirty="0"/>
+              <a:t>(SETUT</a:t>
+            </a:r>
+            <a:r>
+              <a:rPr lang="zh-CN" altLang="en-US" dirty="0"/>
+              <a:t>、</a:t>
+            </a:r>
+            <a:r>
+              <a:rPr lang="en-US" altLang="zh-CN" dirty="0"/>
+              <a:t>PUBGEN</a:t>
+            </a:r>
+            <a:r>
+              <a:rPr lang="zh-CN" altLang="en-US" dirty="0"/>
+              <a:t>、</a:t>
+            </a:r>
+            <a:r>
+              <a:rPr lang="en-US" altLang="zh-CN" dirty="0"/>
+              <a:t>ENC</a:t>
+            </a:r>
+            <a:r>
+              <a:rPr lang="zh-CN" altLang="en-US" dirty="0"/>
+              <a:t>、</a:t>
+            </a:r>
+            <a:r>
+              <a:rPr lang="en-US" altLang="zh-CN" dirty="0"/>
+              <a:t>DEC)</a:t>
+            </a:r>
+            <a:r>
+              <a:rPr lang="zh-CN" altLang="en-US" dirty="0"/>
+              <a:t>组成的元组满足以下语法的正确性。</a:t>
+            </a:r>
+          </a:p>
+        </p:txBody>
+      </p:sp>
+      <p:pic>
+        <p:nvPicPr>
+          <p:cNvPr id="4" name="图片 3">
+            <a:extLst>
+              <a:ext uri="{FF2B5EF4-FFF2-40B4-BE49-F238E27FC236}">
+                <a16:creationId xmlns:a16="http://schemas.microsoft.com/office/drawing/2014/main" id="{3DE152EB-D39F-A1BB-EBCA-5D66A984402B}"/>
+              </a:ext>
+            </a:extLst>
+          </p:cNvPr>
+          <p:cNvPicPr>
+            <a:picLocks noChangeAspect="1"/>
+          </p:cNvPicPr>
+          <p:nvPr/>
+        </p:nvPicPr>
+        <p:blipFill>
+          <a:blip r:embed="rId3">
+            <a:extLst>
+              <a:ext uri="{28A0092B-C50C-407E-A947-70E740481C1C}">
+                <a14:useLocalDpi xmlns:a14="http://schemas.microsoft.com/office/drawing/2010/main" val="0"/>
+              </a:ext>
+            </a:extLst>
+          </a:blip>
+          <a:stretch>
+            <a:fillRect/>
+          </a:stretch>
+        </p:blipFill>
+        <p:spPr>
+          <a:xfrm>
+            <a:off x="66474" y="1597231"/>
+            <a:ext cx="5947630" cy="4651170"/>
+          </a:xfrm>
+          <a:prstGeom prst="rect">
+            <a:avLst/>
+          </a:prstGeom>
+        </p:spPr>
+      </p:pic>
+    </p:spTree>
+    <p:extLst>
+      <p:ext uri="{BB962C8B-B14F-4D97-AF65-F5344CB8AC3E}">
+        <p14:creationId xmlns:p14="http://schemas.microsoft.com/office/powerpoint/2010/main" val="355751099"/>
+      </p:ext>
+    </p:extLst>
+  </p:cSld>
+  <p:clrMapOvr>
+    <a:masterClrMapping/>
+  </p:clrMapOvr>
+</p:sld>
+</file>
+
+<file path=ppt/slides/slide14.xml><?xml version="1.0" encoding="utf-8"?>
+<p:sld xmlns:a="http://schemas.openxmlformats.org/drawingml/2006/main" xmlns:r="http://schemas.openxmlformats.org/officeDocument/2006/relationships" xmlns:p="http://schemas.openxmlformats.org/presentationml/2006/main">
+  <p:cSld>
+    <p:bg>
+      <p:bgPr>
+        <a:blipFill rotWithShape="1">
+          <a:blip r:embed="rId2">
+            <a:duotone>
+              <a:schemeClr val="bg1">
+                <a:shade val="80000"/>
+                <a:lumMod val="80000"/>
+              </a:schemeClr>
+              <a:schemeClr val="bg1">
+                <a:tint val="98000"/>
+              </a:schemeClr>
+            </a:duotone>
+          </a:blip>
+          <a:stretch/>
+        </a:blipFill>
+        <a:effectLst/>
+      </p:bgPr>
+    </p:bg>
+    <p:spTree>
+      <p:nvGrpSpPr>
+        <p:cNvPr id="1" name=""/>
+        <p:cNvGrpSpPr/>
+        <p:nvPr/>
+      </p:nvGrpSpPr>
+      <p:grpSpPr>
+        <a:xfrm>
+          <a:off x="0" y="0"/>
+          <a:ext cx="0" cy="0"/>
+          <a:chOff x="0" y="0"/>
+          <a:chExt cx="0" cy="0"/>
+        </a:xfrm>
+      </p:grpSpPr>
+      <p:sp>
+        <p:nvSpPr>
+          <p:cNvPr id="2" name="标题 1">
+            <a:extLst>
+              <a:ext uri="{FF2B5EF4-FFF2-40B4-BE49-F238E27FC236}">
+                <a16:creationId xmlns:a16="http://schemas.microsoft.com/office/drawing/2014/main" id="{9D6A748D-BEEC-43A4-BFF3-B31C0275A5D9}"/>
+              </a:ext>
+            </a:extLst>
+          </p:cNvPr>
+          <p:cNvSpPr>
+            <a:spLocks noGrp="1"/>
+          </p:cNvSpPr>
+          <p:nvPr>
+            <p:ph type="title"/>
+          </p:nvPr>
+        </p:nvSpPr>
+        <p:spPr>
+          <a:xfrm>
+            <a:off x="913795" y="609600"/>
+            <a:ext cx="10353762" cy="1257300"/>
+          </a:xfrm>
+        </p:spPr>
+        <p:txBody>
+          <a:bodyPr rtlCol="0">
+            <a:normAutofit/>
+          </a:bodyPr>
+          <a:lstStyle/>
+          <a:p>
+            <a:pPr rtl="0"/>
+            <a:r>
+              <a:rPr lang="zh-CN" altLang="en-US" dirty="0"/>
+              <a:t>基于</a:t>
+            </a:r>
+            <a:r>
+              <a:rPr lang="en-US" altLang="zh-CN" dirty="0"/>
+              <a:t>AFEM</a:t>
+            </a:r>
+            <a:r>
+              <a:rPr lang="zh-CN" altLang="en-US" dirty="0"/>
+              <a:t>的</a:t>
+            </a:r>
+            <a:r>
+              <a:rPr lang="en-US" altLang="zh-CN" dirty="0"/>
+              <a:t>BAKE</a:t>
+            </a:r>
+            <a:r>
+              <a:rPr lang="zh-CN" altLang="en-US" dirty="0"/>
+              <a:t>的具体过程</a:t>
+            </a:r>
+            <a:r>
+              <a:rPr lang="en-US" altLang="zh-CN" dirty="0"/>
+              <a:t>:</a:t>
+            </a:r>
+            <a:endParaRPr lang="zh-cn" dirty="0"/>
+          </a:p>
+        </p:txBody>
+      </p:sp>
+      <p:sp>
+        <p:nvSpPr>
+          <p:cNvPr id="5" name="内容占位符 4">
+            <a:extLst>
+              <a:ext uri="{FF2B5EF4-FFF2-40B4-BE49-F238E27FC236}">
+                <a16:creationId xmlns:a16="http://schemas.microsoft.com/office/drawing/2014/main" id="{4BB99F56-947D-5FBE-0208-5D6622987804}"/>
+              </a:ext>
+            </a:extLst>
+          </p:cNvPr>
+          <p:cNvSpPr>
+            <a:spLocks noGrp="1"/>
+          </p:cNvSpPr>
+          <p:nvPr>
+            <p:ph idx="1"/>
+          </p:nvPr>
+        </p:nvSpPr>
+        <p:spPr>
+          <a:xfrm>
+            <a:off x="1116281" y="1866900"/>
+            <a:ext cx="10151275" cy="4153890"/>
+          </a:xfrm>
+        </p:spPr>
+        <p:txBody>
+          <a:bodyPr>
+            <a:normAutofit/>
+          </a:bodyPr>
+          <a:lstStyle/>
+          <a:p>
+            <a:r>
+              <a:rPr lang="zh-CN" altLang="en-US" dirty="0"/>
+              <a:t>我们的</a:t>
+            </a:r>
+            <a:r>
+              <a:rPr lang="en-US" altLang="zh-CN" dirty="0"/>
+              <a:t>BAKE</a:t>
+            </a:r>
+            <a:r>
+              <a:rPr lang="zh-CN" altLang="en-US" dirty="0"/>
+              <a:t>框架涉及两个参与者在不安全的信道上通信，由三个阶段组成：初始化</a:t>
+            </a:r>
+            <a:r>
+              <a:rPr lang="en-US" altLang="zh-CN" dirty="0"/>
+              <a:t>(INIT)</a:t>
+            </a:r>
+            <a:r>
+              <a:rPr lang="zh-CN" altLang="en-US" dirty="0"/>
+              <a:t>阶段、密钥生成</a:t>
+            </a:r>
+            <a:r>
+              <a:rPr lang="en-US" altLang="zh-CN" dirty="0"/>
+              <a:t>(KEYGEN)</a:t>
+            </a:r>
+            <a:r>
+              <a:rPr lang="zh-CN" altLang="en-US" dirty="0"/>
+              <a:t>阶段和认证密钥交换</a:t>
+            </a:r>
+            <a:r>
+              <a:rPr lang="en-US" altLang="zh-CN" dirty="0"/>
+              <a:t>(AKE)</a:t>
+            </a:r>
+            <a:r>
+              <a:rPr lang="zh-CN" altLang="en-US" dirty="0"/>
+              <a:t>阶段。</a:t>
+            </a:r>
+            <a:endParaRPr lang="en-US" altLang="zh-CN" dirty="0"/>
+          </a:p>
+          <a:p>
+            <a:r>
+              <a:rPr lang="zh-CN" altLang="en-US" dirty="0"/>
+              <a:t> 我们框架的核心思想是从两个参与者生成的随机字符串中派生用于安全消息传递的会话密钥。 为了安全地将一个参与者生成的随机字符串传输到另一个参与者，我们采用</a:t>
+            </a:r>
+            <a:r>
+              <a:rPr lang="en-US" altLang="zh-CN" dirty="0"/>
+              <a:t>AFEM</a:t>
+            </a:r>
+            <a:r>
+              <a:rPr lang="zh-CN" altLang="en-US" dirty="0"/>
+              <a:t>方案对该字符串进行封装。 身份验证是在参与者试图解封装接收的封装字符串时隐式执行的。</a:t>
+            </a:r>
+          </a:p>
+        </p:txBody>
+      </p:sp>
+    </p:spTree>
+    <p:extLst>
+      <p:ext uri="{BB962C8B-B14F-4D97-AF65-F5344CB8AC3E}">
+        <p14:creationId xmlns:p14="http://schemas.microsoft.com/office/powerpoint/2010/main" val="690786495"/>
+      </p:ext>
+    </p:extLst>
+  </p:cSld>
+  <p:clrMapOvr>
+    <a:masterClrMapping/>
+  </p:clrMapOvr>
+</p:sld>
+</file>
+
+<file path=ppt/slides/slide15.xml><?xml version="1.0" encoding="utf-8"?>
+<p:sld xmlns:a="http://schemas.openxmlformats.org/drawingml/2006/main" xmlns:r="http://schemas.openxmlformats.org/officeDocument/2006/relationships" xmlns:p="http://schemas.openxmlformats.org/presentationml/2006/main">
+  <p:cSld>
+    <p:bg>
+      <p:bgPr>
+        <a:blipFill rotWithShape="1">
+          <a:blip r:embed="rId2">
+            <a:duotone>
+              <a:schemeClr val="bg1">
+                <a:shade val="80000"/>
+                <a:lumMod val="80000"/>
+              </a:schemeClr>
+              <a:schemeClr val="bg1">
+                <a:tint val="98000"/>
+              </a:schemeClr>
+            </a:duotone>
+          </a:blip>
+          <a:stretch/>
+        </a:blipFill>
+        <a:effectLst/>
+      </p:bgPr>
+    </p:bg>
+    <p:spTree>
+      <p:nvGrpSpPr>
+        <p:cNvPr id="1" name=""/>
+        <p:cNvGrpSpPr/>
+        <p:nvPr/>
+      </p:nvGrpSpPr>
+      <p:grpSpPr>
+        <a:xfrm>
+          <a:off x="0" y="0"/>
+          <a:ext cx="0" cy="0"/>
+          <a:chOff x="0" y="0"/>
+          <a:chExt cx="0" cy="0"/>
+        </a:xfrm>
+      </p:grpSpPr>
+      <p:sp>
+        <p:nvSpPr>
+          <p:cNvPr id="2" name="标题 1">
+            <a:extLst>
+              <a:ext uri="{FF2B5EF4-FFF2-40B4-BE49-F238E27FC236}">
+                <a16:creationId xmlns:a16="http://schemas.microsoft.com/office/drawing/2014/main" id="{9D6A748D-BEEC-43A4-BFF3-B31C0275A5D9}"/>
+              </a:ext>
+            </a:extLst>
+          </p:cNvPr>
+          <p:cNvSpPr>
+            <a:spLocks noGrp="1"/>
+          </p:cNvSpPr>
+          <p:nvPr>
+            <p:ph type="title"/>
+          </p:nvPr>
+        </p:nvSpPr>
+        <p:spPr>
+          <a:xfrm>
+            <a:off x="913795" y="609600"/>
+            <a:ext cx="10353762" cy="1257300"/>
+          </a:xfrm>
+        </p:spPr>
+        <p:txBody>
+          <a:bodyPr rtlCol="0">
+            <a:normAutofit/>
+          </a:bodyPr>
+          <a:lstStyle/>
+          <a:p>
+            <a:pPr rtl="0"/>
+            <a:r>
+              <a:rPr lang="zh-CN" altLang="en-US" dirty="0"/>
+              <a:t>基于</a:t>
+            </a:r>
+            <a:r>
+              <a:rPr lang="en-US" altLang="zh-CN" dirty="0"/>
+              <a:t>AFEM</a:t>
+            </a:r>
+            <a:r>
+              <a:rPr lang="zh-CN" altLang="en-US" dirty="0"/>
+              <a:t>的</a:t>
+            </a:r>
+            <a:r>
+              <a:rPr lang="en-US" altLang="zh-CN" dirty="0"/>
+              <a:t>BAKE</a:t>
+            </a:r>
+            <a:r>
+              <a:rPr lang="zh-CN" altLang="en-US" dirty="0"/>
+              <a:t>的具体过程</a:t>
+            </a:r>
+            <a:r>
+              <a:rPr lang="en-US" altLang="zh-CN" dirty="0"/>
+              <a:t>:</a:t>
+            </a:r>
+            <a:endParaRPr lang="zh-cn" dirty="0"/>
+          </a:p>
+        </p:txBody>
+      </p:sp>
+      <p:sp>
+        <p:nvSpPr>
+          <p:cNvPr id="5" name="内容占位符 4">
+            <a:extLst>
+              <a:ext uri="{FF2B5EF4-FFF2-40B4-BE49-F238E27FC236}">
+                <a16:creationId xmlns:a16="http://schemas.microsoft.com/office/drawing/2014/main" id="{4BB99F56-947D-5FBE-0208-5D6622987804}"/>
+              </a:ext>
+            </a:extLst>
+          </p:cNvPr>
+          <p:cNvSpPr>
+            <a:spLocks noGrp="1"/>
+          </p:cNvSpPr>
+          <p:nvPr>
+            <p:ph idx="1"/>
+          </p:nvPr>
+        </p:nvSpPr>
+        <p:spPr>
+          <a:xfrm>
+            <a:off x="7148945" y="1866900"/>
+            <a:ext cx="4118611" cy="4381500"/>
+          </a:xfrm>
+        </p:spPr>
+        <p:txBody>
+          <a:bodyPr>
+            <a:normAutofit fontScale="47500" lnSpcReduction="20000"/>
+          </a:bodyPr>
+          <a:lstStyle/>
+          <a:p>
+            <a:r>
+              <a:rPr lang="en-US" altLang="zh-CN" dirty="0"/>
+              <a:t>1. **</a:t>
+            </a:r>
+            <a:r>
+              <a:rPr lang="zh-CN" altLang="en-US" dirty="0"/>
+              <a:t>初始化阶段：**此阶段提供其他阶段所需的所有公共参数。 具体地说，**</a:t>
+            </a:r>
+            <a:r>
+              <a:rPr lang="en-US" altLang="zh-CN" dirty="0"/>
+              <a:t>P0</a:t>
+            </a:r>
+            <a:r>
+              <a:rPr lang="zh-CN" altLang="en-US" dirty="0"/>
+              <a:t>和</a:t>
+            </a:r>
+            <a:r>
+              <a:rPr lang="en-US" altLang="zh-CN" dirty="0"/>
+              <a:t>P1</a:t>
+            </a:r>
+            <a:r>
+              <a:rPr lang="zh-CN" altLang="en-US" dirty="0"/>
+              <a:t>必须在基本参数上达成一致，即安全参数和阈值**。 然后，调用设置算法</a:t>
+            </a:r>
+            <a:r>
+              <a:rPr lang="en-US" altLang="zh-CN" dirty="0" err="1"/>
+              <a:t>AFEM.Setup</a:t>
+            </a:r>
+            <a:r>
+              <a:rPr lang="zh-CN" altLang="en-US" dirty="0"/>
+              <a:t>来生成</a:t>
+            </a:r>
+            <a:r>
+              <a:rPr lang="en-US" altLang="zh-CN" dirty="0"/>
+              <a:t>AFEM</a:t>
+            </a:r>
+            <a:r>
+              <a:rPr lang="zh-CN" altLang="en-US" dirty="0"/>
+              <a:t>的公共参数。 最后，</a:t>
+            </a:r>
+            <a:r>
+              <a:rPr lang="en-US" altLang="zh-CN" dirty="0"/>
+              <a:t>BAKE</a:t>
+            </a:r>
+            <a:r>
+              <a:rPr lang="zh-CN" altLang="en-US" dirty="0"/>
+              <a:t>的公共参数被设置为并且对两个参与者都是可访问的。在现实世界的应用程序（例如，安全消息传递）中，**服务提供商可以生成公共参数并将其发布在公告板上或将其编码为软件**，以便每个参与者都可以访问它们。</a:t>
+            </a:r>
+          </a:p>
+          <a:p>
+            <a:r>
+              <a:rPr lang="en-US" altLang="zh-CN" dirty="0"/>
+              <a:t>2. **</a:t>
+            </a:r>
+            <a:r>
+              <a:rPr lang="zh-CN" altLang="en-US" dirty="0"/>
+              <a:t>密钥生成阶段：**在这个阶段中，**每个参与者根据她</a:t>
+            </a:r>
+            <a:r>
+              <a:rPr lang="en-US" altLang="zh-CN" dirty="0"/>
+              <a:t>/</a:t>
+            </a:r>
+            <a:r>
+              <a:rPr lang="zh-CN" altLang="en-US" dirty="0"/>
+              <a:t>他的生物特征生成一个公钥，并将其发送给另一个参与者。** 具体地说，</a:t>
+            </a:r>
+            <a:r>
+              <a:rPr lang="en-US" altLang="zh-CN" dirty="0"/>
+              <a:t>p(∈0,1}</a:t>
+            </a:r>
+            <a:r>
+              <a:rPr lang="zh-CN" altLang="en-US" dirty="0"/>
+              <a:t>）根据生物特征生成一个密钥，下面两个小节将对其进行实例化。生成公钥后，最后，</a:t>
+            </a:r>
+            <a:r>
+              <a:rPr lang="en-US" altLang="zh-CN" dirty="0"/>
+              <a:t>P0</a:t>
+            </a:r>
+            <a:r>
+              <a:rPr lang="zh-CN" altLang="en-US" dirty="0"/>
+              <a:t>通过一个**经过身份验证的通道**将公钥发送给</a:t>
+            </a:r>
+            <a:r>
+              <a:rPr lang="en-US" altLang="zh-CN" dirty="0"/>
+              <a:t>P1</a:t>
+            </a:r>
+            <a:r>
+              <a:rPr lang="zh-CN" altLang="en-US" dirty="0"/>
+              <a:t>，这意味着对手不能修改该公钥。 请注意，**对经过身份验证的信道的要求**对于所有经过身份验证的密钥交换协议都是必不可少的</a:t>
+            </a:r>
+            <a:r>
+              <a:rPr lang="en-US" altLang="zh-CN" dirty="0"/>
+              <a:t>[6]</a:t>
+            </a:r>
+            <a:r>
+              <a:rPr lang="zh-CN" altLang="en-US" dirty="0"/>
+              <a:t>。在实际应用中，通过**公钥基础设施</a:t>
+            </a:r>
+            <a:r>
+              <a:rPr lang="en-US" altLang="zh-CN" dirty="0"/>
+              <a:t>(PKI)**</a:t>
+            </a:r>
+            <a:r>
+              <a:rPr lang="zh-CN" altLang="en-US" dirty="0"/>
+              <a:t>技术</a:t>
+            </a:r>
+            <a:r>
+              <a:rPr lang="en-US" altLang="zh-CN" dirty="0"/>
+              <a:t>[52]</a:t>
+            </a:r>
+            <a:r>
+              <a:rPr lang="zh-CN" altLang="en-US" dirty="0"/>
+              <a:t>可以实现经过认证的信**道，在该技术中，权威生成证书以绑定身份和公钥，消息应用程序还建议使用带外方式来验证公钥，例如比较公钥指纹和扫描快速响应</a:t>
+            </a:r>
+            <a:r>
+              <a:rPr lang="en-US" altLang="zh-CN" dirty="0"/>
+              <a:t>(QR)</a:t>
+            </a:r>
+            <a:r>
+              <a:rPr lang="zh-CN" altLang="en-US" dirty="0"/>
+              <a:t>代码</a:t>
+            </a:r>
+            <a:r>
+              <a:rPr lang="en-US" altLang="zh-CN" dirty="0"/>
+              <a:t>[44]</a:t>
+            </a:r>
+            <a:r>
+              <a:rPr lang="zh-CN" altLang="en-US" dirty="0"/>
+              <a:t>。**</a:t>
+            </a:r>
+          </a:p>
+          <a:p>
+            <a:r>
+              <a:rPr lang="en-US" altLang="zh-CN" dirty="0"/>
+              <a:t>3. **AKE</a:t>
+            </a:r>
+            <a:r>
+              <a:rPr lang="zh-CN" altLang="en-US" dirty="0"/>
+              <a:t>阶段：**此阶段使**双方参与者能够相互验证并协商会话密钥。** 具体地说，</a:t>
+            </a:r>
+            <a:r>
+              <a:rPr lang="en-US" altLang="zh-CN" dirty="0"/>
+              <a:t>P{0</a:t>
+            </a:r>
+            <a:r>
+              <a:rPr lang="zh-CN" altLang="en-US" dirty="0"/>
+              <a:t>，</a:t>
+            </a:r>
+            <a:r>
+              <a:rPr lang="en-US" altLang="zh-CN" dirty="0"/>
+              <a:t>1}</a:t>
+            </a:r>
+            <a:r>
+              <a:rPr lang="zh-CN" altLang="en-US" dirty="0"/>
+              <a:t>首先选择一个随机消息</a:t>
+            </a:r>
+            <a:r>
+              <a:rPr lang="en-US" altLang="zh-CN" dirty="0" err="1"/>
+              <a:t>si</a:t>
+            </a:r>
+            <a:r>
+              <a:rPr lang="zh-CN" altLang="en-US" dirty="0"/>
+              <a:t>。然后，</a:t>
+            </a:r>
+            <a:r>
+              <a:rPr lang="en-US" altLang="zh-CN" dirty="0" err="1"/>
+              <a:t>si</a:t>
+            </a:r>
+            <a:r>
+              <a:rPr lang="zh-CN" altLang="en-US" dirty="0"/>
+              <a:t>通过</a:t>
+            </a:r>
+            <a:r>
+              <a:rPr lang="en-US" altLang="zh-CN" dirty="0"/>
+              <a:t>AFEM</a:t>
+            </a:r>
+            <a:r>
+              <a:rPr lang="zh-CN" altLang="en-US" dirty="0"/>
+              <a:t>算法封装成</a:t>
+            </a:r>
+            <a:r>
+              <a:rPr lang="en-US" altLang="zh-CN" dirty="0"/>
+              <a:t>ci</a:t>
+            </a:r>
+            <a:r>
+              <a:rPr lang="zh-CN" altLang="en-US" dirty="0"/>
+              <a:t>。在接收到对方的</a:t>
+            </a:r>
+            <a:r>
+              <a:rPr lang="en-US" altLang="zh-CN" dirty="0"/>
+              <a:t>c1-i</a:t>
+            </a:r>
+            <a:r>
+              <a:rPr lang="zh-CN" altLang="en-US" dirty="0"/>
+              <a:t>后，</a:t>
+            </a:r>
+            <a:r>
+              <a:rPr lang="en-US" altLang="zh-CN" dirty="0"/>
+              <a:t>Pi</a:t>
+            </a:r>
+            <a:r>
+              <a:rPr lang="zh-CN" altLang="en-US" dirty="0"/>
+              <a:t>基于生物特征生成一个密钥</a:t>
+            </a:r>
+            <a:r>
+              <a:rPr lang="en-US" altLang="zh-CN" dirty="0"/>
+              <a:t>ski</a:t>
+            </a:r>
+            <a:r>
+              <a:rPr lang="zh-CN" altLang="en-US" dirty="0"/>
+              <a:t>，可以使用</a:t>
+            </a:r>
+            <a:r>
+              <a:rPr lang="en-US" altLang="zh-CN" dirty="0"/>
+              <a:t>AFEM</a:t>
+            </a:r>
+            <a:r>
+              <a:rPr lang="zh-CN" altLang="en-US" dirty="0"/>
+              <a:t>的解封装算法解封装</a:t>
+            </a:r>
+            <a:r>
+              <a:rPr lang="en-US" altLang="zh-CN" dirty="0"/>
+              <a:t>c1-i</a:t>
+            </a:r>
+            <a:r>
+              <a:rPr lang="zh-CN" altLang="en-US" dirty="0"/>
+              <a:t>来得到</a:t>
+            </a:r>
+            <a:r>
+              <a:rPr lang="en-US" altLang="zh-CN" dirty="0"/>
+              <a:t>s1-i</a:t>
+            </a:r>
+            <a:r>
+              <a:rPr lang="zh-CN" altLang="en-US" dirty="0"/>
+              <a:t>。最后，</a:t>
+            </a:r>
+            <a:r>
+              <a:rPr lang="en-US" altLang="zh-CN" dirty="0"/>
+              <a:t>P</a:t>
+            </a:r>
+            <a:r>
+              <a:rPr lang="zh-CN" altLang="en-US" dirty="0"/>
+              <a:t>通过哈希函数计算**会话密钥</a:t>
+            </a:r>
+            <a:r>
+              <a:rPr lang="en-US" altLang="zh-CN" dirty="0"/>
+              <a:t>k</a:t>
+            </a:r>
+            <a:r>
+              <a:rPr lang="zh-CN" altLang="en-US" dirty="0"/>
+              <a:t>。**</a:t>
+            </a:r>
+          </a:p>
+        </p:txBody>
+      </p:sp>
+      <p:pic>
+        <p:nvPicPr>
+          <p:cNvPr id="4" name="图片 3">
+            <a:extLst>
+              <a:ext uri="{FF2B5EF4-FFF2-40B4-BE49-F238E27FC236}">
+                <a16:creationId xmlns:a16="http://schemas.microsoft.com/office/drawing/2014/main" id="{9C94154F-564D-C7CA-4697-50B4B18C0C1C}"/>
+              </a:ext>
+            </a:extLst>
+          </p:cNvPr>
+          <p:cNvPicPr>
+            <a:picLocks noChangeAspect="1"/>
+          </p:cNvPicPr>
+          <p:nvPr/>
+        </p:nvPicPr>
+        <p:blipFill>
+          <a:blip r:embed="rId3">
+            <a:extLst>
+              <a:ext uri="{28A0092B-C50C-407E-A947-70E740481C1C}">
+                <a14:useLocalDpi xmlns:a14="http://schemas.microsoft.com/office/drawing/2010/main" val="0"/>
+              </a:ext>
+            </a:extLst>
+          </a:blip>
+          <a:stretch>
+            <a:fillRect/>
+          </a:stretch>
+        </p:blipFill>
+        <p:spPr>
+          <a:xfrm>
+            <a:off x="436892" y="2030680"/>
+            <a:ext cx="6550046" cy="3871356"/>
+          </a:xfrm>
+          <a:prstGeom prst="rect">
+            <a:avLst/>
+          </a:prstGeom>
+        </p:spPr>
+      </p:pic>
+    </p:spTree>
+    <p:extLst>
+      <p:ext uri="{BB962C8B-B14F-4D97-AF65-F5344CB8AC3E}">
+        <p14:creationId xmlns:p14="http://schemas.microsoft.com/office/powerpoint/2010/main" val="3788898297"/>
+      </p:ext>
+    </p:extLst>
+  </p:cSld>
+  <p:clrMapOvr>
+    <a:masterClrMapping/>
+  </p:clrMapOvr>
+</p:sld>
+</file>
+
+<file path=ppt/slides/slide16.xml><?xml version="1.0" encoding="utf-8"?>
+<p:sld xmlns:a="http://schemas.openxmlformats.org/drawingml/2006/main" xmlns:r="http://schemas.openxmlformats.org/officeDocument/2006/relationships" xmlns:p="http://schemas.openxmlformats.org/presentationml/2006/main">
+  <p:cSld>
+    <p:bg>
+      <p:bgPr>
+        <a:blipFill rotWithShape="1">
+          <a:blip r:embed="rId2">
+            <a:duotone>
+              <a:schemeClr val="bg1">
+                <a:shade val="80000"/>
+                <a:lumMod val="80000"/>
+              </a:schemeClr>
+              <a:schemeClr val="bg1">
+                <a:tint val="98000"/>
+              </a:schemeClr>
+            </a:duotone>
+          </a:blip>
+          <a:stretch/>
+        </a:blipFill>
+        <a:effectLst/>
+      </p:bgPr>
+    </p:bg>
+    <p:spTree>
+      <p:nvGrpSpPr>
+        <p:cNvPr id="1" name=""/>
+        <p:cNvGrpSpPr/>
+        <p:nvPr/>
+      </p:nvGrpSpPr>
+      <p:grpSpPr>
+        <a:xfrm>
+          <a:off x="0" y="0"/>
+          <a:ext cx="0" cy="0"/>
+          <a:chOff x="0" y="0"/>
+          <a:chExt cx="0" cy="0"/>
+        </a:xfrm>
+      </p:grpSpPr>
+      <p:sp>
+        <p:nvSpPr>
+          <p:cNvPr id="2" name="标题 1">
+            <a:extLst>
+              <a:ext uri="{FF2B5EF4-FFF2-40B4-BE49-F238E27FC236}">
+                <a16:creationId xmlns:a16="http://schemas.microsoft.com/office/drawing/2014/main" id="{9D6A748D-BEEC-43A4-BFF3-B31C0275A5D9}"/>
+              </a:ext>
+            </a:extLst>
+          </p:cNvPr>
+          <p:cNvSpPr>
+            <a:spLocks noGrp="1"/>
+          </p:cNvSpPr>
+          <p:nvPr>
+            <p:ph type="title"/>
+          </p:nvPr>
+        </p:nvSpPr>
+        <p:spPr>
+          <a:xfrm>
+            <a:off x="913795" y="609600"/>
+            <a:ext cx="10353762" cy="1257300"/>
+          </a:xfrm>
+        </p:spPr>
+        <p:txBody>
+          <a:bodyPr rtlCol="0">
+            <a:normAutofit/>
+          </a:bodyPr>
+          <a:lstStyle/>
+          <a:p>
+            <a:pPr rtl="0"/>
+            <a:r>
+              <a:rPr lang="zh-CN" altLang="en-US" dirty="0"/>
+              <a:t>来自虹膜的密钥</a:t>
+            </a:r>
+            <a:endParaRPr lang="zh-cn" dirty="0"/>
+          </a:p>
+        </p:txBody>
+      </p:sp>
+      <p:sp>
+        <p:nvSpPr>
+          <p:cNvPr id="5" name="内容占位符 4">
+            <a:extLst>
+              <a:ext uri="{FF2B5EF4-FFF2-40B4-BE49-F238E27FC236}">
+                <a16:creationId xmlns:a16="http://schemas.microsoft.com/office/drawing/2014/main" id="{4BB99F56-947D-5FBE-0208-5D6622987804}"/>
+              </a:ext>
+            </a:extLst>
+          </p:cNvPr>
+          <p:cNvSpPr>
+            <a:spLocks noGrp="1"/>
+          </p:cNvSpPr>
+          <p:nvPr>
+            <p:ph idx="1"/>
+          </p:nvPr>
+        </p:nvSpPr>
+        <p:spPr>
+          <a:xfrm>
+            <a:off x="1116281" y="1866900"/>
+            <a:ext cx="10151275" cy="4153890"/>
+          </a:xfrm>
+        </p:spPr>
+        <p:txBody>
+          <a:bodyPr>
+            <a:normAutofit fontScale="77500" lnSpcReduction="20000"/>
+          </a:bodyPr>
+          <a:lstStyle/>
+          <a:p>
+            <a:r>
+              <a:rPr lang="en-US" altLang="zh-CN" dirty="0" err="1"/>
+              <a:t>Iriscode</a:t>
+            </a:r>
+            <a:r>
+              <a:rPr lang="en-US" altLang="zh-CN" dirty="0"/>
+              <a:t>[16]</a:t>
+            </a:r>
+            <a:r>
+              <a:rPr lang="zh-CN" altLang="en-US" dirty="0"/>
+              <a:t>是目前应用最广泛的虹膜识别方法，具有匹配速度快、精度高等优点。 超过</a:t>
+            </a:r>
+            <a:r>
+              <a:rPr lang="en-US" altLang="zh-CN" dirty="0"/>
+              <a:t>6000</a:t>
+            </a:r>
+            <a:r>
+              <a:rPr lang="zh-CN" altLang="en-US" dirty="0"/>
+              <a:t>万人正在使用</a:t>
+            </a:r>
+            <a:r>
+              <a:rPr lang="en-US" altLang="zh-CN" dirty="0" err="1"/>
+              <a:t>IRiscode</a:t>
+            </a:r>
+            <a:r>
+              <a:rPr lang="zh-CN" altLang="en-US" dirty="0"/>
+              <a:t>进行虹膜识别，许多其他生物识别算法都是从</a:t>
+            </a:r>
+            <a:r>
+              <a:rPr lang="en-US" altLang="zh-CN" dirty="0" err="1"/>
+              <a:t>IRiscode</a:t>
+            </a:r>
+            <a:r>
+              <a:rPr lang="zh-CN" altLang="en-US" dirty="0"/>
+              <a:t>扩展而来的</a:t>
+            </a:r>
+            <a:r>
+              <a:rPr lang="en-US" altLang="zh-CN" dirty="0"/>
+              <a:t>[16]</a:t>
+            </a:r>
+            <a:r>
+              <a:rPr lang="zh-CN" altLang="en-US" dirty="0"/>
+              <a:t>。 通常，**虹膜识别是通过计算两个虹膜码之间的汉明距离来实现的**。 **在</a:t>
+            </a:r>
+            <a:r>
+              <a:rPr lang="en-US" altLang="zh-CN" dirty="0"/>
+              <a:t>Bake</a:t>
+            </a:r>
+            <a:r>
+              <a:rPr lang="zh-CN" altLang="en-US" dirty="0"/>
+              <a:t>中，</a:t>
+            </a:r>
+            <a:r>
+              <a:rPr lang="en-US" altLang="zh-CN" dirty="0" err="1"/>
+              <a:t>IRISCode</a:t>
+            </a:r>
+            <a:r>
+              <a:rPr lang="zh-CN" altLang="en-US" dirty="0"/>
+              <a:t>适合于我们的第一个</a:t>
+            </a:r>
+            <a:r>
+              <a:rPr lang="en-US" altLang="zh-CN" dirty="0"/>
+              <a:t>AFEM</a:t>
+            </a:r>
+            <a:r>
+              <a:rPr lang="zh-CN" altLang="en-US" dirty="0"/>
+              <a:t>构造的实例化，**该构造将在第</a:t>
+            </a:r>
+            <a:r>
+              <a:rPr lang="en-US" altLang="zh-CN" dirty="0"/>
+              <a:t>3.2</a:t>
+            </a:r>
+            <a:r>
+              <a:rPr lang="zh-CN" altLang="en-US" dirty="0"/>
+              <a:t>节中说明。</a:t>
+            </a:r>
+          </a:p>
+          <a:p>
+            <a:endParaRPr lang="zh-CN" altLang="en-US" dirty="0"/>
+          </a:p>
+          <a:p>
+            <a:r>
+              <a:rPr lang="zh-CN" altLang="en-US" dirty="0"/>
+              <a:t>虹膜图像经过定位、分割和归一化后被转换成随机纹理，然后被编码成</a:t>
+            </a:r>
+            <a:r>
+              <a:rPr lang="en-US" altLang="zh-CN" dirty="0"/>
+              <a:t>2048</a:t>
+            </a:r>
+            <a:r>
+              <a:rPr lang="zh-CN" altLang="en-US" dirty="0"/>
+              <a:t>比特的流</a:t>
+            </a:r>
+            <a:r>
+              <a:rPr lang="en-US" altLang="zh-CN" dirty="0"/>
+              <a:t>[17]</a:t>
+            </a:r>
+            <a:r>
+              <a:rPr lang="zh-CN" altLang="en-US" dirty="0"/>
+              <a:t>。 为了构造</a:t>
+            </a:r>
+            <a:r>
+              <a:rPr lang="en-US" altLang="zh-CN" dirty="0"/>
+              <a:t>3.2</a:t>
+            </a:r>
+            <a:r>
+              <a:rPr lang="zh-CN" altLang="en-US" dirty="0"/>
+              <a:t>节中</a:t>
+            </a:r>
+            <a:r>
+              <a:rPr lang="en-US" altLang="zh-CN" dirty="0"/>
+              <a:t>AFEM</a:t>
+            </a:r>
+            <a:r>
+              <a:rPr lang="zh-CN" altLang="en-US" dirty="0"/>
+              <a:t>构造的有效密钥，应该将</a:t>
+            </a:r>
+            <a:r>
+              <a:rPr lang="en-US" altLang="zh-CN" dirty="0"/>
+              <a:t>2048</a:t>
+            </a:r>
+            <a:r>
+              <a:rPr lang="zh-CN" altLang="en-US" dirty="0"/>
+              <a:t>位虹膜码转换为向量。 我们自然采用了一个简单的解决方案，将</a:t>
+            </a:r>
+            <a:r>
+              <a:rPr lang="en-US" altLang="zh-CN" dirty="0"/>
+              <a:t>2048</a:t>
+            </a:r>
+            <a:r>
+              <a:rPr lang="zh-CN" altLang="en-US" dirty="0"/>
+              <a:t>位的虹膜码分解成组成虹膜向量的元素。 如图</a:t>
+            </a:r>
+            <a:r>
+              <a:rPr lang="en-US" altLang="zh-CN" dirty="0"/>
+              <a:t>4</a:t>
+            </a:r>
+            <a:r>
+              <a:rPr lang="zh-CN" altLang="en-US" dirty="0"/>
+              <a:t>所示，我们将第一个</a:t>
+            </a:r>
+            <a:r>
+              <a:rPr lang="en-US" altLang="zh-CN" dirty="0"/>
+              <a:t>2048/bits</a:t>
+            </a:r>
+            <a:r>
+              <a:rPr lang="zh-CN" altLang="en-US" dirty="0"/>
+              <a:t>作为第一个元素，将第二个</a:t>
+            </a:r>
+            <a:r>
+              <a:rPr lang="en-US" altLang="zh-CN" dirty="0"/>
+              <a:t>2048/bits</a:t>
+            </a:r>
+            <a:r>
+              <a:rPr lang="zh-CN" altLang="en-US" dirty="0"/>
+              <a:t>作为第二个元素，依此类推。 最后，我们得到一个虹膜向量</a:t>
+            </a:r>
+            <a:r>
+              <a:rPr lang="en-US" altLang="zh-CN" dirty="0"/>
+              <a:t>V={v1,...,</a:t>
+            </a:r>
+            <a:r>
+              <a:rPr lang="en-US" altLang="zh-CN" dirty="0" err="1"/>
+              <a:t>vm</a:t>
+            </a:r>
+            <a:r>
+              <a:rPr lang="en-US" altLang="zh-CN" dirty="0"/>
+              <a:t>}</a:t>
+            </a:r>
+            <a:r>
+              <a:rPr lang="zh-CN" altLang="en-US" dirty="0"/>
+              <a:t>。</a:t>
+            </a:r>
+          </a:p>
+          <a:p>
+            <a:endParaRPr lang="zh-CN" altLang="en-US" dirty="0"/>
+          </a:p>
+          <a:p>
+            <a:r>
+              <a:rPr lang="zh-CN" altLang="en-US" dirty="0"/>
+              <a:t>**由于捕获偏差，</a:t>
+            </a:r>
+            <a:r>
+              <a:rPr lang="en-US" altLang="zh-CN" dirty="0"/>
+              <a:t>AFEM</a:t>
+            </a:r>
+            <a:r>
+              <a:rPr lang="zh-CN" altLang="en-US" dirty="0"/>
+              <a:t>的解码算法可能会失败，即使两个虹膜来自同一个用户</a:t>
+            </a:r>
+            <a:r>
+              <a:rPr lang="en-US" altLang="zh-CN" dirty="0"/>
+              <a:t>.</a:t>
+            </a:r>
+            <a:r>
+              <a:rPr lang="zh-CN" altLang="en-US" dirty="0"/>
+              <a:t>为了解决这个问题，我们期望找到一种算法</a:t>
+            </a:r>
+            <a:r>
+              <a:rPr lang="en-US" altLang="zh-CN" dirty="0"/>
+              <a:t>(·)</a:t>
+            </a:r>
+            <a:r>
+              <a:rPr lang="zh-CN" altLang="en-US" dirty="0"/>
+              <a:t>从两个稍微不同的虹膜向量</a:t>
+            </a:r>
+            <a:r>
+              <a:rPr lang="en-US" altLang="zh-CN" dirty="0"/>
+              <a:t>V</a:t>
+            </a:r>
+            <a:r>
+              <a:rPr lang="zh-CN" altLang="en-US" dirty="0"/>
+              <a:t>和</a:t>
+            </a:r>
+            <a:r>
+              <a:rPr lang="en-US" altLang="zh-CN" dirty="0"/>
+              <a:t>V‘</a:t>
+            </a:r>
+            <a:r>
+              <a:rPr lang="zh-CN" altLang="en-US" dirty="0"/>
+              <a:t>中获得相同的输出向量</a:t>
+            </a:r>
+            <a:r>
+              <a:rPr lang="en-US" altLang="zh-CN" dirty="0"/>
+              <a:t>u=u</a:t>
+            </a:r>
+            <a:r>
+              <a:rPr lang="zh-CN" altLang="en-US" dirty="0"/>
+              <a:t>，**</a:t>
+            </a:r>
+          </a:p>
+        </p:txBody>
+      </p:sp>
+    </p:spTree>
+    <p:extLst>
+      <p:ext uri="{BB962C8B-B14F-4D97-AF65-F5344CB8AC3E}">
+        <p14:creationId xmlns:p14="http://schemas.microsoft.com/office/powerpoint/2010/main" val="2361411075"/>
+      </p:ext>
+    </p:extLst>
+  </p:cSld>
+  <p:clrMapOvr>
+    <a:masterClrMapping/>
+  </p:clrMapOvr>
+</p:sld>
+</file>
+
+<file path=ppt/slides/slide17.xml><?xml version="1.0" encoding="utf-8"?>
+<p:sld xmlns:a="http://schemas.openxmlformats.org/drawingml/2006/main" xmlns:r="http://schemas.openxmlformats.org/officeDocument/2006/relationships" xmlns:p="http://schemas.openxmlformats.org/presentationml/2006/main">
+  <p:cSld>
+    <p:bg>
+      <p:bgPr>
+        <a:blipFill rotWithShape="1">
+          <a:blip r:embed="rId2">
+            <a:duotone>
+              <a:schemeClr val="bg1">
+                <a:shade val="80000"/>
+                <a:lumMod val="80000"/>
+              </a:schemeClr>
+              <a:schemeClr val="bg1">
+                <a:tint val="98000"/>
+              </a:schemeClr>
+            </a:duotone>
+          </a:blip>
+          <a:stretch/>
+        </a:blipFill>
+        <a:effectLst/>
+      </p:bgPr>
+    </p:bg>
+    <p:spTree>
+      <p:nvGrpSpPr>
+        <p:cNvPr id="1" name=""/>
+        <p:cNvGrpSpPr/>
+        <p:nvPr/>
+      </p:nvGrpSpPr>
+      <p:grpSpPr>
+        <a:xfrm>
+          <a:off x="0" y="0"/>
+          <a:ext cx="0" cy="0"/>
+          <a:chOff x="0" y="0"/>
+          <a:chExt cx="0" cy="0"/>
+        </a:xfrm>
+      </p:grpSpPr>
+      <p:sp>
+        <p:nvSpPr>
+          <p:cNvPr id="2" name="标题 1">
+            <a:extLst>
+              <a:ext uri="{FF2B5EF4-FFF2-40B4-BE49-F238E27FC236}">
+                <a16:creationId xmlns:a16="http://schemas.microsoft.com/office/drawing/2014/main" id="{9D6A748D-BEEC-43A4-BFF3-B31C0275A5D9}"/>
+              </a:ext>
+            </a:extLst>
+          </p:cNvPr>
+          <p:cNvSpPr>
+            <a:spLocks noGrp="1"/>
+          </p:cNvSpPr>
+          <p:nvPr>
+            <p:ph type="title"/>
+          </p:nvPr>
+        </p:nvSpPr>
+        <p:spPr>
+          <a:xfrm>
+            <a:off x="913795" y="609600"/>
+            <a:ext cx="10353762" cy="1257300"/>
+          </a:xfrm>
+        </p:spPr>
+        <p:txBody>
+          <a:bodyPr rtlCol="0">
+            <a:normAutofit/>
+          </a:bodyPr>
+          <a:lstStyle/>
+          <a:p>
+            <a:pPr rtl="0"/>
+            <a:r>
+              <a:rPr lang="zh-CN" altLang="en-US" dirty="0"/>
+              <a:t>基于</a:t>
+            </a:r>
+            <a:r>
+              <a:rPr lang="en-US" altLang="zh-CN" dirty="0"/>
+              <a:t>AFEM</a:t>
+            </a:r>
+            <a:r>
+              <a:rPr lang="zh-CN" altLang="en-US" dirty="0"/>
+              <a:t>的</a:t>
+            </a:r>
+            <a:r>
+              <a:rPr lang="en-US" altLang="zh-CN" dirty="0"/>
+              <a:t>BAKE</a:t>
+            </a:r>
+            <a:r>
+              <a:rPr lang="zh-CN" altLang="en-US" dirty="0"/>
+              <a:t>的具体过程</a:t>
+            </a:r>
+            <a:r>
+              <a:rPr lang="en-US" altLang="zh-CN" dirty="0"/>
+              <a:t>:</a:t>
+            </a:r>
+            <a:endParaRPr lang="zh-cn" dirty="0"/>
+          </a:p>
+        </p:txBody>
+      </p:sp>
+      <p:sp>
+        <p:nvSpPr>
+          <p:cNvPr id="5" name="内容占位符 4">
+            <a:extLst>
+              <a:ext uri="{FF2B5EF4-FFF2-40B4-BE49-F238E27FC236}">
+                <a16:creationId xmlns:a16="http://schemas.microsoft.com/office/drawing/2014/main" id="{4BB99F56-947D-5FBE-0208-5D6622987804}"/>
+              </a:ext>
+            </a:extLst>
+          </p:cNvPr>
+          <p:cNvSpPr>
+            <a:spLocks noGrp="1"/>
+          </p:cNvSpPr>
+          <p:nvPr>
+            <p:ph idx="1"/>
+          </p:nvPr>
+        </p:nvSpPr>
+        <p:spPr>
+          <a:xfrm>
+            <a:off x="1116281" y="1866900"/>
+            <a:ext cx="10151275" cy="4153890"/>
+          </a:xfrm>
+        </p:spPr>
+        <p:txBody>
+          <a:bodyPr>
+            <a:normAutofit/>
+          </a:bodyPr>
+          <a:lstStyle/>
+          <a:p>
+            <a:r>
+              <a:rPr lang="zh-CN" altLang="en-US" dirty="0"/>
+              <a:t>我们的</a:t>
+            </a:r>
+            <a:r>
+              <a:rPr lang="en-US" altLang="zh-CN" dirty="0"/>
+              <a:t>BAKE</a:t>
+            </a:r>
+            <a:r>
+              <a:rPr lang="zh-CN" altLang="en-US" dirty="0"/>
+              <a:t>框架涉及两个参与者在不安全的信道上通信，由三个阶段组成：初始化</a:t>
+            </a:r>
+            <a:r>
+              <a:rPr lang="en-US" altLang="zh-CN" dirty="0"/>
+              <a:t>(INIT)</a:t>
+            </a:r>
+            <a:r>
+              <a:rPr lang="zh-CN" altLang="en-US" dirty="0"/>
+              <a:t>阶段、密钥生成</a:t>
+            </a:r>
+            <a:r>
+              <a:rPr lang="en-US" altLang="zh-CN" dirty="0"/>
+              <a:t>(KEYGEN)</a:t>
+            </a:r>
+            <a:r>
+              <a:rPr lang="zh-CN" altLang="en-US" dirty="0"/>
+              <a:t>阶段和认证密钥交换</a:t>
+            </a:r>
+            <a:r>
+              <a:rPr lang="en-US" altLang="zh-CN" dirty="0"/>
+              <a:t>(AKE)</a:t>
+            </a:r>
+            <a:r>
+              <a:rPr lang="zh-CN" altLang="en-US" dirty="0"/>
+              <a:t>阶段。</a:t>
+            </a:r>
+            <a:endParaRPr lang="en-US" altLang="zh-CN" dirty="0"/>
+          </a:p>
+          <a:p>
+            <a:r>
+              <a:rPr lang="zh-CN" altLang="en-US" dirty="0"/>
+              <a:t> 我们框架的核心思想是从两个参与者生成的随机字符串中派生用于安全消息传递的会话密钥。 为了安全地将一个参与者生成的随机字符串传输到另一个参与者，我们采用</a:t>
+            </a:r>
+            <a:r>
+              <a:rPr lang="en-US" altLang="zh-CN" dirty="0"/>
+              <a:t>AFEM</a:t>
+            </a:r>
+            <a:r>
+              <a:rPr lang="zh-CN" altLang="en-US" dirty="0"/>
+              <a:t>方案对该字符串进行封装。 身份验证是在参与者试图解封装接收的封装字符串时隐式执行的。</a:t>
+            </a:r>
+          </a:p>
+        </p:txBody>
+      </p:sp>
+    </p:spTree>
+    <p:extLst>
+      <p:ext uri="{BB962C8B-B14F-4D97-AF65-F5344CB8AC3E}">
+        <p14:creationId xmlns:p14="http://schemas.microsoft.com/office/powerpoint/2010/main" val="1529259409"/>
+      </p:ext>
+    </p:extLst>
+  </p:cSld>
+  <p:clrMapOvr>
+    <a:masterClrMapping/>
+  </p:clrMapOvr>
+</p:sld>
+</file>
+
+<file path=ppt/slides/slide18.xml><?xml version="1.0" encoding="utf-8"?>
+<p:sld xmlns:a="http://schemas.openxmlformats.org/drawingml/2006/main" xmlns:r="http://schemas.openxmlformats.org/officeDocument/2006/relationships" xmlns:p="http://schemas.openxmlformats.org/presentationml/2006/main">
+  <p:cSld>
+    <p:bg>
+      <p:bgPr>
+        <a:blipFill rotWithShape="1">
+          <a:blip r:embed="rId2">
+            <a:duotone>
+              <a:schemeClr val="bg1">
+                <a:shade val="80000"/>
+                <a:lumMod val="80000"/>
+              </a:schemeClr>
+              <a:schemeClr val="bg1">
+                <a:tint val="98000"/>
+              </a:schemeClr>
+            </a:duotone>
+          </a:blip>
+          <a:stretch/>
+        </a:blipFill>
+        <a:effectLst/>
+      </p:bgPr>
+    </p:bg>
+    <p:spTree>
+      <p:nvGrpSpPr>
+        <p:cNvPr id="1" name=""/>
+        <p:cNvGrpSpPr/>
+        <p:nvPr/>
+      </p:nvGrpSpPr>
+      <p:grpSpPr>
+        <a:xfrm>
+          <a:off x="0" y="0"/>
+          <a:ext cx="0" cy="0"/>
+          <a:chOff x="0" y="0"/>
+          <a:chExt cx="0" cy="0"/>
+        </a:xfrm>
+      </p:grpSpPr>
+      <p:sp>
+        <p:nvSpPr>
+          <p:cNvPr id="2" name="标题 1">
+            <a:extLst>
+              <a:ext uri="{FF2B5EF4-FFF2-40B4-BE49-F238E27FC236}">
+                <a16:creationId xmlns:a16="http://schemas.microsoft.com/office/drawing/2014/main" id="{9D6A748D-BEEC-43A4-BFF3-B31C0275A5D9}"/>
+              </a:ext>
+            </a:extLst>
+          </p:cNvPr>
+          <p:cNvSpPr>
+            <a:spLocks noGrp="1"/>
+          </p:cNvSpPr>
+          <p:nvPr>
+            <p:ph type="title"/>
+          </p:nvPr>
+        </p:nvSpPr>
+        <p:spPr>
+          <a:xfrm>
+            <a:off x="913795" y="609600"/>
+            <a:ext cx="10353762" cy="1257300"/>
+          </a:xfrm>
+        </p:spPr>
+        <p:txBody>
+          <a:bodyPr rtlCol="0">
+            <a:normAutofit/>
+          </a:bodyPr>
+          <a:lstStyle/>
+          <a:p>
+            <a:pPr rtl="0"/>
+            <a:r>
+              <a:rPr lang="en-US" altLang="zh-CN" dirty="0"/>
+              <a:t>:</a:t>
+            </a:r>
+            <a:endParaRPr lang="zh-cn" dirty="0"/>
+          </a:p>
+        </p:txBody>
+      </p:sp>
+      <p:sp>
+        <p:nvSpPr>
+          <p:cNvPr id="5" name="内容占位符 4">
+            <a:extLst>
+              <a:ext uri="{FF2B5EF4-FFF2-40B4-BE49-F238E27FC236}">
+                <a16:creationId xmlns:a16="http://schemas.microsoft.com/office/drawing/2014/main" id="{4BB99F56-947D-5FBE-0208-5D6622987804}"/>
+              </a:ext>
+            </a:extLst>
+          </p:cNvPr>
+          <p:cNvSpPr>
+            <a:spLocks noGrp="1"/>
+          </p:cNvSpPr>
+          <p:nvPr>
+            <p:ph idx="1"/>
+          </p:nvPr>
+        </p:nvSpPr>
+        <p:spPr>
+          <a:xfrm>
+            <a:off x="1116281" y="1866900"/>
+            <a:ext cx="10151275" cy="4153890"/>
+          </a:xfrm>
+        </p:spPr>
+        <p:txBody>
+          <a:bodyPr>
+            <a:normAutofit/>
+          </a:bodyPr>
+          <a:lstStyle/>
+          <a:p>
+            <a:endParaRPr lang="zh-CN" altLang="en-US" dirty="0"/>
+          </a:p>
+        </p:txBody>
+      </p:sp>
+    </p:spTree>
+    <p:extLst>
+      <p:ext uri="{BB962C8B-B14F-4D97-AF65-F5344CB8AC3E}">
+        <p14:creationId xmlns:p14="http://schemas.microsoft.com/office/powerpoint/2010/main" val="1770877662"/>
       </p:ext>
     </p:extLst>
   </p:cSld>
